--- a/迅雷直播后台Xcloud.pptx
+++ b/迅雷直播后台Xcloud.pptx
@@ -13,9 +13,11 @@
     <p:sldId id="262" r:id="rId7"/>
     <p:sldId id="259" r:id="rId8"/>
     <p:sldId id="261" r:id="rId9"/>
-    <p:sldId id="264" r:id="rId10"/>
-    <p:sldId id="266" r:id="rId11"/>
-    <p:sldId id="265" r:id="rId12"/>
+    <p:sldId id="267" r:id="rId10"/>
+    <p:sldId id="268" r:id="rId11"/>
+    <p:sldId id="264" r:id="rId12"/>
+    <p:sldId id="266" r:id="rId13"/>
+    <p:sldId id="265" r:id="rId14"/>
   </p:sldIdLst>
   <p:sldSz cx="12192000" cy="6858000"/>
   <p:notesSz cx="6858000" cy="9144000"/>
@@ -253,7 +255,7 @@
           <a:p>
             <a:fld id="{A39C925A-5760-4E22-A763-748AAE3D33DE}" type="datetimeFigureOut">
               <a:rPr lang="zh-CN" altLang="en-US" smtClean="0"/>
-              <a:t>2020-5-6</a:t>
+              <a:t>2020-5-11</a:t>
             </a:fld>
             <a:endParaRPr lang="zh-CN" altLang="en-US"/>
           </a:p>
@@ -423,7 +425,7 @@
           <a:p>
             <a:fld id="{A39C925A-5760-4E22-A763-748AAE3D33DE}" type="datetimeFigureOut">
               <a:rPr lang="zh-CN" altLang="en-US" smtClean="0"/>
-              <a:t>2020-5-6</a:t>
+              <a:t>2020-5-11</a:t>
             </a:fld>
             <a:endParaRPr lang="zh-CN" altLang="en-US"/>
           </a:p>
@@ -603,7 +605,7 @@
           <a:p>
             <a:fld id="{A39C925A-5760-4E22-A763-748AAE3D33DE}" type="datetimeFigureOut">
               <a:rPr lang="zh-CN" altLang="en-US" smtClean="0"/>
-              <a:t>2020-5-6</a:t>
+              <a:t>2020-5-11</a:t>
             </a:fld>
             <a:endParaRPr lang="zh-CN" altLang="en-US"/>
           </a:p>
@@ -773,7 +775,7 @@
           <a:p>
             <a:fld id="{A39C925A-5760-4E22-A763-748AAE3D33DE}" type="datetimeFigureOut">
               <a:rPr lang="zh-CN" altLang="en-US" smtClean="0"/>
-              <a:t>2020-5-6</a:t>
+              <a:t>2020-5-11</a:t>
             </a:fld>
             <a:endParaRPr lang="zh-CN" altLang="en-US"/>
           </a:p>
@@ -1019,7 +1021,7 @@
           <a:p>
             <a:fld id="{A39C925A-5760-4E22-A763-748AAE3D33DE}" type="datetimeFigureOut">
               <a:rPr lang="zh-CN" altLang="en-US" smtClean="0"/>
-              <a:t>2020-5-6</a:t>
+              <a:t>2020-5-11</a:t>
             </a:fld>
             <a:endParaRPr lang="zh-CN" altLang="en-US"/>
           </a:p>
@@ -1251,7 +1253,7 @@
           <a:p>
             <a:fld id="{A39C925A-5760-4E22-A763-748AAE3D33DE}" type="datetimeFigureOut">
               <a:rPr lang="zh-CN" altLang="en-US" smtClean="0"/>
-              <a:t>2020-5-6</a:t>
+              <a:t>2020-5-11</a:t>
             </a:fld>
             <a:endParaRPr lang="zh-CN" altLang="en-US"/>
           </a:p>
@@ -1618,7 +1620,7 @@
           <a:p>
             <a:fld id="{A39C925A-5760-4E22-A763-748AAE3D33DE}" type="datetimeFigureOut">
               <a:rPr lang="zh-CN" altLang="en-US" smtClean="0"/>
-              <a:t>2020-5-6</a:t>
+              <a:t>2020-5-11</a:t>
             </a:fld>
             <a:endParaRPr lang="zh-CN" altLang="en-US"/>
           </a:p>
@@ -1736,7 +1738,7 @@
           <a:p>
             <a:fld id="{A39C925A-5760-4E22-A763-748AAE3D33DE}" type="datetimeFigureOut">
               <a:rPr lang="zh-CN" altLang="en-US" smtClean="0"/>
-              <a:t>2020-5-6</a:t>
+              <a:t>2020-5-11</a:t>
             </a:fld>
             <a:endParaRPr lang="zh-CN" altLang="en-US"/>
           </a:p>
@@ -1831,7 +1833,7 @@
           <a:p>
             <a:fld id="{A39C925A-5760-4E22-A763-748AAE3D33DE}" type="datetimeFigureOut">
               <a:rPr lang="zh-CN" altLang="en-US" smtClean="0"/>
-              <a:t>2020-5-6</a:t>
+              <a:t>2020-5-11</a:t>
             </a:fld>
             <a:endParaRPr lang="zh-CN" altLang="en-US"/>
           </a:p>
@@ -2108,7 +2110,7 @@
           <a:p>
             <a:fld id="{A39C925A-5760-4E22-A763-748AAE3D33DE}" type="datetimeFigureOut">
               <a:rPr lang="zh-CN" altLang="en-US" smtClean="0"/>
-              <a:t>2020-5-6</a:t>
+              <a:t>2020-5-11</a:t>
             </a:fld>
             <a:endParaRPr lang="zh-CN" altLang="en-US"/>
           </a:p>
@@ -2361,7 +2363,7 @@
           <a:p>
             <a:fld id="{A39C925A-5760-4E22-A763-748AAE3D33DE}" type="datetimeFigureOut">
               <a:rPr lang="zh-CN" altLang="en-US" smtClean="0"/>
-              <a:t>2020-5-6</a:t>
+              <a:t>2020-5-11</a:t>
             </a:fld>
             <a:endParaRPr lang="zh-CN" altLang="en-US"/>
           </a:p>
@@ -2574,7 +2576,7 @@
           <a:p>
             <a:fld id="{A39C925A-5760-4E22-A763-748AAE3D33DE}" type="datetimeFigureOut">
               <a:rPr lang="zh-CN" altLang="en-US" smtClean="0"/>
-              <a:t>2020-5-6</a:t>
+              <a:t>2020-5-11</a:t>
             </a:fld>
             <a:endParaRPr lang="zh-CN" altLang="en-US"/>
           </a:p>
@@ -3083,21 +3085,149 @@
           <a:lstStyle/>
           <a:p>
             <a:r>
-              <a:rPr lang="zh-CN" altLang="en-US" dirty="0" smtClean="0"/>
-              <a:t>音视频传输</a:t>
+              <a:rPr lang="zh-CN" altLang="en-US" dirty="0"/>
+              <a:t>负载均衡实现细节</a:t>
+            </a:r>
+            <a:r>
+              <a:rPr lang="zh-CN" altLang="en-US" dirty="0" smtClean="0"/>
+              <a:t>之边缘节点</a:t>
+            </a:r>
+            <a:endParaRPr lang="zh-CN" altLang="en-US" dirty="0"/>
+          </a:p>
+        </p:txBody>
+      </p:sp>
+      <p:sp>
+        <p:nvSpPr>
+          <p:cNvPr id="3" name="内容占位符 2"/>
+          <p:cNvSpPr>
+            <a:spLocks noGrp="1"/>
+          </p:cNvSpPr>
+          <p:nvPr>
+            <p:ph idx="1"/>
+          </p:nvPr>
+        </p:nvSpPr>
+        <p:spPr/>
+        <p:txBody>
+          <a:bodyPr/>
+          <a:lstStyle/>
+          <a:p>
+            <a:r>
+              <a:rPr lang="zh-CN" altLang="en-US" dirty="0" smtClean="0"/>
+              <a:t>边缘节点主要依赖</a:t>
             </a:r>
             <a:r>
               <a:rPr lang="en-US" altLang="zh-CN" dirty="0" smtClean="0"/>
-              <a:t>/</a:t>
-            </a:r>
-            <a:r>
-              <a:rPr lang="zh-CN" altLang="en-US" dirty="0" smtClean="0"/>
-              <a:t>混流问题</a:t>
+              <a:t>GSLB</a:t>
+            </a:r>
+            <a:r>
+              <a:rPr lang="zh-CN" altLang="en-US" dirty="0" smtClean="0"/>
+              <a:t>实现，其主要原理是</a:t>
+            </a:r>
+            <a:r>
+              <a:rPr lang="en-US" altLang="zh-CN" dirty="0" smtClean="0"/>
+              <a:t>:</a:t>
+            </a:r>
+            <a:r>
+              <a:rPr lang="zh-CN" altLang="en-US" dirty="0" smtClean="0"/>
+              <a:t>客户端带着边缘节点网址去请求</a:t>
+            </a:r>
+            <a:r>
+              <a:rPr lang="en-US" altLang="zh-CN" dirty="0" err="1" smtClean="0"/>
+              <a:t>dns</a:t>
+            </a:r>
+            <a:r>
+              <a:rPr lang="zh-CN" altLang="en-US" dirty="0" smtClean="0"/>
+              <a:t>服务器时，</a:t>
+            </a:r>
+            <a:r>
+              <a:rPr lang="en-US" altLang="zh-CN" dirty="0" err="1" smtClean="0"/>
+              <a:t>dns</a:t>
+            </a:r>
+            <a:r>
+              <a:rPr lang="zh-CN" altLang="en-US" dirty="0" smtClean="0"/>
+              <a:t>服务器依次向上递归到</a:t>
+            </a:r>
+            <a:r>
+              <a:rPr lang="en-US" altLang="zh-CN" dirty="0" smtClean="0"/>
+              <a:t>GSLB</a:t>
+            </a:r>
+            <a:r>
+              <a:rPr lang="zh-CN" altLang="en-US" dirty="0" smtClean="0"/>
+              <a:t>服务器。</a:t>
+            </a:r>
+            <a:r>
+              <a:rPr lang="en-US" altLang="zh-CN" dirty="0" smtClean="0"/>
+              <a:t>GSLB</a:t>
+            </a:r>
+            <a:r>
+              <a:rPr lang="zh-CN" altLang="en-US" dirty="0" smtClean="0"/>
+              <a:t>服务器根据业务和负载选出符合要求的边缘节点服务器地址，然后返回一条</a:t>
+            </a:r>
+            <a:r>
+              <a:rPr lang="en-US" altLang="zh-CN" dirty="0" smtClean="0"/>
+              <a:t>A</a:t>
+            </a:r>
+            <a:r>
+              <a:rPr lang="zh-CN" altLang="en-US" dirty="0" smtClean="0"/>
+              <a:t>记录给客户端。客户端再次向该地址请求视频流即可。</a:t>
             </a:r>
             <a:endParaRPr lang="zh-CN" altLang="en-US" dirty="0"/>
           </a:p>
         </p:txBody>
       </p:sp>
+    </p:spTree>
+    <p:extLst>
+      <p:ext uri="{BB962C8B-B14F-4D97-AF65-F5344CB8AC3E}">
+        <p14:creationId xmlns:p14="http://schemas.microsoft.com/office/powerpoint/2010/main" val="3314550332"/>
+      </p:ext>
+    </p:extLst>
+  </p:cSld>
+  <p:clrMapOvr>
+    <a:masterClrMapping/>
+  </p:clrMapOvr>
+</p:sld>
+</file>
+
+<file path=ppt/slides/slide11.xml><?xml version="1.0" encoding="utf-8"?>
+<p:sld xmlns:a="http://schemas.openxmlformats.org/drawingml/2006/main" xmlns:r="http://schemas.openxmlformats.org/officeDocument/2006/relationships" xmlns:p="http://schemas.openxmlformats.org/presentationml/2006/main">
+  <p:cSld>
+    <p:spTree>
+      <p:nvGrpSpPr>
+        <p:cNvPr id="1" name=""/>
+        <p:cNvGrpSpPr/>
+        <p:nvPr/>
+      </p:nvGrpSpPr>
+      <p:grpSpPr>
+        <a:xfrm>
+          <a:off x="0" y="0"/>
+          <a:ext cx="0" cy="0"/>
+          <a:chOff x="0" y="0"/>
+          <a:chExt cx="0" cy="0"/>
+        </a:xfrm>
+      </p:grpSpPr>
+      <p:sp>
+        <p:nvSpPr>
+          <p:cNvPr id="2" name="标题 1"/>
+          <p:cNvSpPr>
+            <a:spLocks noGrp="1"/>
+          </p:cNvSpPr>
+          <p:nvPr>
+            <p:ph type="title"/>
+          </p:nvPr>
+        </p:nvSpPr>
+        <p:spPr/>
+        <p:txBody>
+          <a:bodyPr/>
+          <a:lstStyle/>
+          <a:p>
+            <a:r>
+              <a:rPr lang="zh-CN" altLang="en-US" dirty="0" smtClean="0"/>
+              <a:t>如何实现机器的快速伸缩</a:t>
+            </a:r>
+            <a:endParaRPr lang="zh-CN" altLang="en-US" dirty="0"/>
+          </a:p>
+        </p:txBody>
+      </p:sp>
       <p:sp>
         <p:nvSpPr>
           <p:cNvPr id="3" name="内容占位符 2"/>
@@ -3113,6 +3243,134 @@
           <a:bodyPr/>
           <a:lstStyle/>
           <a:p>
+            <a:endParaRPr lang="zh-CN" altLang="en-US" dirty="0"/>
+          </a:p>
+        </p:txBody>
+      </p:sp>
+    </p:spTree>
+    <p:extLst>
+      <p:ext uri="{BB962C8B-B14F-4D97-AF65-F5344CB8AC3E}">
+        <p14:creationId xmlns:p14="http://schemas.microsoft.com/office/powerpoint/2010/main" val="1442941323"/>
+      </p:ext>
+    </p:extLst>
+  </p:cSld>
+  <p:clrMapOvr>
+    <a:masterClrMapping/>
+  </p:clrMapOvr>
+</p:sld>
+</file>
+
+<file path=ppt/slides/slide12.xml><?xml version="1.0" encoding="utf-8"?>
+<p:sld xmlns:a="http://schemas.openxmlformats.org/drawingml/2006/main" xmlns:r="http://schemas.openxmlformats.org/officeDocument/2006/relationships" xmlns:p="http://schemas.openxmlformats.org/presentationml/2006/main">
+  <p:cSld>
+    <p:spTree>
+      <p:nvGrpSpPr>
+        <p:cNvPr id="1" name=""/>
+        <p:cNvGrpSpPr/>
+        <p:nvPr/>
+      </p:nvGrpSpPr>
+      <p:grpSpPr>
+        <a:xfrm>
+          <a:off x="0" y="0"/>
+          <a:ext cx="0" cy="0"/>
+          <a:chOff x="0" y="0"/>
+          <a:chExt cx="0" cy="0"/>
+        </a:xfrm>
+      </p:grpSpPr>
+      <p:sp>
+        <p:nvSpPr>
+          <p:cNvPr id="2" name="标题 1"/>
+          <p:cNvSpPr>
+            <a:spLocks noGrp="1"/>
+          </p:cNvSpPr>
+          <p:nvPr>
+            <p:ph type="title"/>
+          </p:nvPr>
+        </p:nvSpPr>
+        <p:spPr/>
+        <p:txBody>
+          <a:bodyPr/>
+          <a:lstStyle/>
+          <a:p>
+            <a:r>
+              <a:rPr lang="zh-CN" altLang="en-US" dirty="0" smtClean="0"/>
+              <a:t>音</a:t>
+            </a:r>
+            <a:r>
+              <a:rPr lang="zh-CN" altLang="en-US" dirty="0" smtClean="0"/>
+              <a:t>视频混</a:t>
+            </a:r>
+            <a:r>
+              <a:rPr lang="zh-CN" altLang="en-US" dirty="0" smtClean="0"/>
+              <a:t>流问题</a:t>
+            </a:r>
+            <a:endParaRPr lang="zh-CN" altLang="en-US" dirty="0"/>
+          </a:p>
+        </p:txBody>
+      </p:sp>
+      <p:sp>
+        <p:nvSpPr>
+          <p:cNvPr id="3" name="内容占位符 2"/>
+          <p:cNvSpPr>
+            <a:spLocks noGrp="1"/>
+          </p:cNvSpPr>
+          <p:nvPr>
+            <p:ph idx="1"/>
+          </p:nvPr>
+        </p:nvSpPr>
+        <p:spPr/>
+        <p:txBody>
+          <a:bodyPr>
+            <a:normAutofit lnSpcReduction="10000"/>
+          </a:bodyPr>
+          <a:lstStyle/>
+          <a:p>
+            <a:r>
+              <a:rPr lang="zh-CN" altLang="en-US" dirty="0"/>
+              <a:t>音</a:t>
+            </a:r>
+            <a:r>
+              <a:rPr lang="zh-CN" altLang="en-US" dirty="0" smtClean="0"/>
+              <a:t>视频的混流点有几种选择：主播端、源站、观众端。</a:t>
+            </a:r>
+            <a:endParaRPr lang="en-US" altLang="zh-CN" dirty="0" smtClean="0"/>
+          </a:p>
+          <a:p>
+            <a:pPr marL="514350" indent="-514350">
+              <a:buFont typeface="+mj-lt"/>
+              <a:buAutoNum type="arabicPeriod"/>
+            </a:pPr>
+            <a:r>
+              <a:rPr lang="zh-CN" altLang="en-US" dirty="0"/>
+              <a:t>主</a:t>
+            </a:r>
+            <a:r>
+              <a:rPr lang="zh-CN" altLang="en-US" dirty="0" smtClean="0"/>
+              <a:t>播端</a:t>
+            </a:r>
+            <a:r>
+              <a:rPr lang="zh-CN" altLang="en-US" dirty="0" smtClean="0"/>
+              <a:t>。计算资源不可控，很容易造成很大的网络延迟，给观众不好的体验。混流后云端灵活性降低。优点是降低上行带宽、降低服务端计算压力。一般云端都会对主播的视频和声音进行二次处理，而且云端也不缺这点计算资源，所以一般都不会选择在主播端进行混流。</a:t>
+            </a:r>
+            <a:endParaRPr lang="en-US" altLang="zh-CN" dirty="0" smtClean="0"/>
+          </a:p>
+          <a:p>
+            <a:pPr marL="514350" indent="-514350">
+              <a:buFont typeface="+mj-lt"/>
+              <a:buAutoNum type="arabicPeriod"/>
+            </a:pPr>
+            <a:r>
+              <a:rPr lang="zh-CN" altLang="en-US" dirty="0" smtClean="0"/>
+              <a:t>云端源站。音视频</a:t>
+            </a:r>
+            <a:r>
+              <a:rPr lang="en-US" altLang="zh-CN" dirty="0" smtClean="0"/>
+              <a:t>raw</a:t>
+            </a:r>
+            <a:r>
+              <a:rPr lang="zh-CN" altLang="en-US" dirty="0" smtClean="0"/>
+              <a:t>流上传后再在云端进行混流，缺点是增加服务器压力和上行带宽，但是云端计算资源丰富、而且各种个能实现比较灵活。一般采用在云端对视频进行二次处理，然后将音视频按照某种协议传输到边缘节点。观众端再简单将音视频合成即可。</a:t>
+            </a:r>
             <a:endParaRPr lang="zh-CN" altLang="en-US" dirty="0"/>
           </a:p>
         </p:txBody>
@@ -3130,7 +3388,7 @@
 </p:sld>
 </file>
 
-<file path=ppt/slides/slide11.xml><?xml version="1.0" encoding="utf-8"?>
+<file path=ppt/slides/slide13.xml><?xml version="1.0" encoding="utf-8"?>
 <p:sld xmlns:a="http://schemas.openxmlformats.org/drawingml/2006/main" xmlns:r="http://schemas.openxmlformats.org/officeDocument/2006/relationships" xmlns:p="http://schemas.openxmlformats.org/presentationml/2006/main">
   <p:cSld>
     <p:spTree>
@@ -3339,11 +3597,7 @@
           <a:p>
             <a:r>
               <a:rPr lang="zh-CN" altLang="en-US" dirty="0" smtClean="0"/>
-              <a:t>大</a:t>
-            </a:r>
-            <a:r>
-              <a:rPr lang="zh-CN" altLang="en-US" dirty="0" smtClean="0"/>
-              <a:t>流量</a:t>
+              <a:t>大流量</a:t>
             </a:r>
             <a:endParaRPr lang="en-US" altLang="zh-CN" dirty="0" smtClean="0"/>
           </a:p>
@@ -3737,7 +3991,7 @@
       </p:sp>
       <p:pic>
         <p:nvPicPr>
-          <p:cNvPr id="4" name="内容占位符 3"/>
+          <p:cNvPr id="5" name="内容占位符 4"/>
           <p:cNvPicPr>
             <a:picLocks noGrp="1" noChangeAspect="1"/>
           </p:cNvPicPr>
@@ -3753,8 +4007,8 @@
         </p:blipFill>
         <p:spPr>
           <a:xfrm>
-            <a:off x="1957012" y="1825625"/>
-            <a:ext cx="8277975" cy="4351338"/>
+            <a:off x="941560" y="1291850"/>
+            <a:ext cx="9293427" cy="4885113"/>
           </a:xfrm>
           <a:prstGeom prst="rect">
             <a:avLst/>
@@ -3945,7 +4199,11 @@
             </a:r>
             <a:r>
               <a:rPr lang="zh-CN" altLang="en-US" dirty="0" smtClean="0"/>
-              <a:t>定时轮询域名，然后维持可用的机器池</a:t>
+              <a:t>定时轮询域名，然后维持可用的机器</a:t>
+            </a:r>
+            <a:r>
+              <a:rPr lang="zh-CN" altLang="en-US" dirty="0" smtClean="0"/>
+              <a:t>池，轮询使用</a:t>
             </a:r>
             <a:endParaRPr lang="en-US" altLang="zh-CN" dirty="0" smtClean="0"/>
           </a:p>
@@ -3967,8 +4225,8 @@
               <a:t>stream</a:t>
             </a:r>
             <a:r>
-              <a:rPr lang="zh-CN" altLang="en-US" dirty="0" smtClean="0"/>
-              <a:t>参数</a:t>
+              <a:rPr lang="zh-CN" altLang="en-US" dirty="0"/>
+              <a:t>信息</a:t>
             </a:r>
             <a:r>
               <a:rPr lang="en-US" altLang="zh-CN" dirty="0" smtClean="0"/>
@@ -3976,11 +4234,20 @@
             </a:r>
             <a:r>
               <a:rPr lang="zh-CN" altLang="en-US" dirty="0" smtClean="0"/>
-              <a:t>分辨率</a:t>
+              <a:t>视频路数、分辨率</a:t>
             </a:r>
             <a:r>
               <a:rPr lang="en-US" altLang="zh-CN" dirty="0" smtClean="0"/>
               <a:t>)</a:t>
+            </a:r>
+          </a:p>
+          <a:p>
+            <a:pPr marL="0" indent="0">
+              <a:buNone/>
+            </a:pPr>
+            <a:r>
+              <a:rPr lang="zh-CN" altLang="en-US" dirty="0" smtClean="0"/>
+              <a:t>源节点集群和边缘节点的负载最大，重点以此分析</a:t>
             </a:r>
             <a:endParaRPr lang="zh-CN" altLang="en-US" dirty="0"/>
           </a:p>
@@ -4033,7 +4300,7 @@
           <a:p>
             <a:r>
               <a:rPr lang="zh-CN" altLang="en-US" dirty="0" smtClean="0"/>
-              <a:t>如何实现机器的快速伸缩</a:t>
+              <a:t>负载均衡实现细节之源节点</a:t>
             </a:r>
             <a:endParaRPr lang="zh-CN" altLang="en-US" dirty="0"/>
           </a:p>
@@ -4053,6 +4320,77 @@
         <p:txBody>
           <a:bodyPr/>
           <a:lstStyle/>
+          <a:p>
+            <a:r>
+              <a:rPr lang="zh-CN" altLang="en-US" dirty="0" smtClean="0"/>
+              <a:t>源节点管理器采用</a:t>
+            </a:r>
+            <a:r>
+              <a:rPr lang="en-US" altLang="zh-CN" dirty="0" err="1" smtClean="0"/>
+              <a:t>dns</a:t>
+            </a:r>
+            <a:r>
+              <a:rPr lang="zh-CN" altLang="en-US" dirty="0" smtClean="0"/>
+              <a:t>轮询的方式来维护机器池。当源节点管理器收到流管理服务器的请求，会从机器池中对机器负载进行排序后取出最低的一台机器执行任务。</a:t>
+            </a:r>
+            <a:endParaRPr lang="en-US" altLang="zh-CN" dirty="0" smtClean="0"/>
+          </a:p>
+          <a:p>
+            <a:r>
+              <a:rPr lang="zh-CN" altLang="en-US" dirty="0"/>
+              <a:t>源</a:t>
+            </a:r>
+            <a:r>
+              <a:rPr lang="zh-CN" altLang="en-US" dirty="0" smtClean="0"/>
+              <a:t>节点跟源节点管理器之间建立心跳连接，定时报告自己的视频流数量、参数。管理器定时对机器负载排名。</a:t>
+            </a:r>
+            <a:r>
+              <a:rPr lang="en-US" altLang="zh-CN" dirty="0" smtClean="0"/>
+              <a:t>(WRR)</a:t>
+            </a:r>
+          </a:p>
+          <a:p>
+            <a:pPr marL="0" indent="0">
+              <a:buNone/>
+            </a:pPr>
+            <a:r>
+              <a:rPr lang="zh-CN" altLang="en-US" dirty="0" smtClean="0"/>
+              <a:t>优点：</a:t>
+            </a:r>
+            <a:r>
+              <a:rPr lang="en-US" altLang="zh-CN" dirty="0" smtClean="0"/>
+              <a:t>WRR</a:t>
+            </a:r>
+            <a:r>
+              <a:rPr lang="zh-CN" altLang="en-US" dirty="0" smtClean="0"/>
+              <a:t>负载算是一个比较智能的负载均衡方式，广为业界所用。但是机器池的维护采用轮询</a:t>
+            </a:r>
+            <a:r>
+              <a:rPr lang="en-US" altLang="zh-CN" dirty="0" err="1" smtClean="0"/>
+              <a:t>dns</a:t>
+            </a:r>
+            <a:r>
+              <a:rPr lang="zh-CN" altLang="en-US" dirty="0" smtClean="0"/>
+              <a:t>地址的方式，在流量添加</a:t>
+            </a:r>
+            <a:r>
+              <a:rPr lang="en-US" altLang="zh-CN" dirty="0" smtClean="0"/>
+              <a:t>/</a:t>
+            </a:r>
+            <a:r>
+              <a:rPr lang="zh-CN" altLang="en-US" dirty="0" smtClean="0"/>
+              <a:t>删除节点时，</a:t>
+            </a:r>
+            <a:r>
+              <a:rPr lang="en-US" altLang="zh-CN" dirty="0" err="1" smtClean="0"/>
+              <a:t>dns</a:t>
+            </a:r>
+            <a:r>
+              <a:rPr lang="zh-CN" altLang="en-US" dirty="0" smtClean="0"/>
+              <a:t>缓存存在失效期。此外，无法较为友好的显示监控当前的服务器列表。</a:t>
+            </a:r>
+            <a:endParaRPr lang="en-US" altLang="zh-CN" dirty="0" smtClean="0"/>
+          </a:p>
           <a:p>
             <a:endParaRPr lang="zh-CN" altLang="en-US" dirty="0"/>
           </a:p>
@@ -4061,7 +4399,7 @@
     </p:spTree>
     <p:extLst>
       <p:ext uri="{BB962C8B-B14F-4D97-AF65-F5344CB8AC3E}">
-        <p14:creationId xmlns:p14="http://schemas.microsoft.com/office/powerpoint/2010/main" val="1442941323"/>
+        <p14:creationId xmlns:p14="http://schemas.microsoft.com/office/powerpoint/2010/main" val="3823626157"/>
       </p:ext>
     </p:extLst>
   </p:cSld>
